--- a/國泰銀行.pptx
+++ b/國泰銀行.pptx
@@ -5,17 +5,18 @@
     <p:sldMasterId id="2147483648" r:id="rId1"/>
   </p:sldMasterIdLst>
   <p:notesMasterIdLst>
-    <p:notesMasterId r:id="rId5"/>
+    <p:notesMasterId r:id="rId6"/>
   </p:notesMasterIdLst>
   <p:sldIdLst>
     <p:sldId id="257" r:id="rId2"/>
     <p:sldId id="261" r:id="rId3"/>
     <p:sldId id="262" r:id="rId4"/>
+    <p:sldId id="263" r:id="rId5"/>
   </p:sldIdLst>
   <p:sldSz cx="12192000" cy="6858000"/>
   <p:notesSz cx="6858000" cy="9144000"/>
   <p:custDataLst>
-    <p:tags r:id="rId6"/>
+    <p:tags r:id="rId7"/>
   </p:custDataLst>
   <p:defaultTextStyle>
     <a:defPPr>
@@ -202,7 +203,7 @@
           <a:p>
             <a:fld id="{5A79D0B2-6D8E-4FE4-8EAE-1B32E142ACB2}" type="datetimeFigureOut">
               <a:rPr lang="zh-CN" altLang="en-US" smtClean="0"/>
-              <a:t>2021/3/16</a:t>
+              <a:t>2021/3/17</a:t>
             </a:fld>
             <a:endParaRPr lang="zh-CN" altLang="en-US"/>
           </a:p>
@@ -721,6 +722,90 @@
 </p:notes>
 </file>
 
+<file path=ppt/notesSlides/notesSlide4.xml><?xml version="1.0" encoding="utf-8"?>
+<p:notes xmlns:a="http://schemas.openxmlformats.org/drawingml/2006/main" xmlns:r="http://schemas.openxmlformats.org/officeDocument/2006/relationships" xmlns:p="http://schemas.openxmlformats.org/presentationml/2006/main">
+  <p:cSld>
+    <p:spTree>
+      <p:nvGrpSpPr>
+        <p:cNvPr id="1" name=""/>
+        <p:cNvGrpSpPr/>
+        <p:nvPr/>
+      </p:nvGrpSpPr>
+      <p:grpSpPr>
+        <a:xfrm>
+          <a:off x="0" y="0"/>
+          <a:ext cx="0" cy="0"/>
+          <a:chOff x="0" y="0"/>
+          <a:chExt cx="0" cy="0"/>
+        </a:xfrm>
+      </p:grpSpPr>
+      <p:sp>
+        <p:nvSpPr>
+          <p:cNvPr id="2" name="幻灯片图像占位符 1"/>
+          <p:cNvSpPr>
+            <a:spLocks noGrp="1" noRot="1" noChangeAspect="1"/>
+          </p:cNvSpPr>
+          <p:nvPr>
+            <p:ph type="sldImg"/>
+          </p:nvPr>
+        </p:nvSpPr>
+        <p:spPr/>
+      </p:sp>
+      <p:sp>
+        <p:nvSpPr>
+          <p:cNvPr id="3" name="备注占位符 2"/>
+          <p:cNvSpPr>
+            <a:spLocks noGrp="1"/>
+          </p:cNvSpPr>
+          <p:nvPr>
+            <p:ph type="body" idx="1"/>
+          </p:nvPr>
+        </p:nvSpPr>
+        <p:spPr/>
+        <p:txBody>
+          <a:bodyPr/>
+          <a:lstStyle/>
+          <a:p>
+            <a:endParaRPr lang="zh-CN" altLang="en-US" dirty="0"/>
+          </a:p>
+        </p:txBody>
+      </p:sp>
+      <p:sp>
+        <p:nvSpPr>
+          <p:cNvPr id="4" name="灯片编号占位符 3"/>
+          <p:cNvSpPr>
+            <a:spLocks noGrp="1"/>
+          </p:cNvSpPr>
+          <p:nvPr>
+            <p:ph type="sldNum" sz="quarter" idx="5"/>
+          </p:nvPr>
+        </p:nvSpPr>
+        <p:spPr/>
+        <p:txBody>
+          <a:bodyPr/>
+          <a:lstStyle/>
+          <a:p>
+            <a:fld id="{C750B335-F2D0-4624-AE5D-EDA3F4FE8566}" type="slidenum">
+              <a:rPr lang="zh-CN" altLang="en-US" smtClean="0"/>
+              <a:t>4</a:t>
+            </a:fld>
+            <a:endParaRPr lang="zh-CN" altLang="en-US"/>
+          </a:p>
+        </p:txBody>
+      </p:sp>
+    </p:spTree>
+    <p:extLst>
+      <p:ext uri="{BB962C8B-B14F-4D97-AF65-F5344CB8AC3E}">
+        <p14:creationId xmlns:p14="http://schemas.microsoft.com/office/powerpoint/2010/main" val="1929409312"/>
+      </p:ext>
+    </p:extLst>
+  </p:cSld>
+  <p:clrMapOvr>
+    <a:masterClrMapping/>
+  </p:clrMapOvr>
+</p:notes>
+</file>
+
 <file path=ppt/slideLayouts/slideLayout1.xml><?xml version="1.0" encoding="utf-8"?>
 <p:sldLayout xmlns:a="http://schemas.openxmlformats.org/drawingml/2006/main" xmlns:r="http://schemas.openxmlformats.org/officeDocument/2006/relationships" xmlns:p="http://schemas.openxmlformats.org/presentationml/2006/main" type="title" preserve="1">
   <p:cSld name="标题幻灯片">
@@ -868,7 +953,7 @@
           <a:p>
             <a:fld id="{E3134A03-34AB-43E4-9153-F3913F13D8E3}" type="datetimeFigureOut">
               <a:rPr lang="zh-CN" altLang="en-US" smtClean="0"/>
-              <a:t>2021/3/16</a:t>
+              <a:t>2021/3/17</a:t>
             </a:fld>
             <a:endParaRPr lang="zh-CN" altLang="en-US"/>
           </a:p>
@@ -1078,7 +1163,7 @@
           <a:p>
             <a:fld id="{E3134A03-34AB-43E4-9153-F3913F13D8E3}" type="datetimeFigureOut">
               <a:rPr lang="zh-CN" altLang="en-US" smtClean="0"/>
-              <a:t>2021/3/16</a:t>
+              <a:t>2021/3/17</a:t>
             </a:fld>
             <a:endParaRPr lang="zh-CN" altLang="en-US"/>
           </a:p>
@@ -1298,7 +1383,7 @@
           <a:p>
             <a:fld id="{E3134A03-34AB-43E4-9153-F3913F13D8E3}" type="datetimeFigureOut">
               <a:rPr lang="zh-CN" altLang="en-US" smtClean="0"/>
-              <a:t>2021/3/16</a:t>
+              <a:t>2021/3/17</a:t>
             </a:fld>
             <a:endParaRPr lang="zh-CN" altLang="en-US"/>
           </a:p>
@@ -1508,7 +1593,7 @@
           <a:p>
             <a:fld id="{E3134A03-34AB-43E4-9153-F3913F13D8E3}" type="datetimeFigureOut">
               <a:rPr lang="zh-CN" altLang="en-US" smtClean="0"/>
-              <a:t>2021/3/16</a:t>
+              <a:t>2021/3/17</a:t>
             </a:fld>
             <a:endParaRPr lang="zh-CN" altLang="en-US"/>
           </a:p>
@@ -1795,7 +1880,7 @@
           <a:p>
             <a:fld id="{E3134A03-34AB-43E4-9153-F3913F13D8E3}" type="datetimeFigureOut">
               <a:rPr lang="zh-CN" altLang="en-US" smtClean="0"/>
-              <a:t>2021/3/16</a:t>
+              <a:t>2021/3/17</a:t>
             </a:fld>
             <a:endParaRPr lang="zh-CN" altLang="en-US"/>
           </a:p>
@@ -2072,7 +2157,7 @@
           <a:p>
             <a:fld id="{E3134A03-34AB-43E4-9153-F3913F13D8E3}" type="datetimeFigureOut">
               <a:rPr lang="zh-CN" altLang="en-US" smtClean="0"/>
-              <a:t>2021/3/16</a:t>
+              <a:t>2021/3/17</a:t>
             </a:fld>
             <a:endParaRPr lang="zh-CN" altLang="en-US"/>
           </a:p>
@@ -2496,7 +2581,7 @@
           <a:p>
             <a:fld id="{E3134A03-34AB-43E4-9153-F3913F13D8E3}" type="datetimeFigureOut">
               <a:rPr lang="zh-CN" altLang="en-US" smtClean="0"/>
-              <a:t>2021/3/16</a:t>
+              <a:t>2021/3/17</a:t>
             </a:fld>
             <a:endParaRPr lang="zh-CN" altLang="en-US"/>
           </a:p>
@@ -2649,7 +2734,7 @@
           <a:p>
             <a:fld id="{E3134A03-34AB-43E4-9153-F3913F13D8E3}" type="datetimeFigureOut">
               <a:rPr lang="zh-CN" altLang="en-US" smtClean="0"/>
-              <a:t>2021/3/16</a:t>
+              <a:t>2021/3/17</a:t>
             </a:fld>
             <a:endParaRPr lang="zh-CN" altLang="en-US"/>
           </a:p>
@@ -2774,7 +2859,7 @@
           <a:p>
             <a:fld id="{E3134A03-34AB-43E4-9153-F3913F13D8E3}" type="datetimeFigureOut">
               <a:rPr lang="zh-CN" altLang="en-US" smtClean="0"/>
-              <a:t>2021/3/16</a:t>
+              <a:t>2021/3/17</a:t>
             </a:fld>
             <a:endParaRPr lang="zh-CN" altLang="en-US"/>
           </a:p>
@@ -3097,7 +3182,7 @@
           <a:p>
             <a:fld id="{E3134A03-34AB-43E4-9153-F3913F13D8E3}" type="datetimeFigureOut">
               <a:rPr lang="zh-CN" altLang="en-US" smtClean="0"/>
-              <a:t>2021/3/16</a:t>
+              <a:t>2021/3/17</a:t>
             </a:fld>
             <a:endParaRPr lang="zh-CN" altLang="en-US"/>
           </a:p>
@@ -3397,7 +3482,7 @@
           <a:p>
             <a:fld id="{E3134A03-34AB-43E4-9153-F3913F13D8E3}" type="datetimeFigureOut">
               <a:rPr lang="zh-CN" altLang="en-US" smtClean="0"/>
-              <a:t>2021/3/16</a:t>
+              <a:t>2021/3/17</a:t>
             </a:fld>
             <a:endParaRPr lang="zh-CN" altLang="en-US"/>
           </a:p>
@@ -3650,7 +3735,7 @@
           <a:p>
             <a:fld id="{E3134A03-34AB-43E4-9153-F3913F13D8E3}" type="datetimeFigureOut">
               <a:rPr lang="zh-CN" altLang="en-US" smtClean="0"/>
-              <a:t>2021/3/16</a:t>
+              <a:t>2021/3/17</a:t>
             </a:fld>
             <a:endParaRPr lang="zh-CN" altLang="en-US"/>
           </a:p>
@@ -6024,7 +6109,7 @@
                 <a:latin typeface="幼圆" panose="02010509060101010101" pitchFamily="49" charset="-122"/>
                 <a:ea typeface="幼圆" panose="02010509060101010101" pitchFamily="49" charset="-122"/>
               </a:rPr>
-              <a:t>1</a:t>
+              <a:t>2</a:t>
             </a:r>
             <a:endParaRPr lang="zh-CN" altLang="en-US" dirty="0">
               <a:solidFill>
@@ -6286,6 +6371,407 @@
     <p:extLst>
       <p:ext uri="{BB962C8B-B14F-4D97-AF65-F5344CB8AC3E}">
         <p14:creationId xmlns:p14="http://schemas.microsoft.com/office/powerpoint/2010/main" val="3946056324"/>
+      </p:ext>
+    </p:extLst>
+  </p:cSld>
+  <p:clrMapOvr>
+    <a:masterClrMapping/>
+  </p:clrMapOvr>
+  <mc:AlternateContent xmlns:mc="http://schemas.openxmlformats.org/markup-compatibility/2006" xmlns:p14="http://schemas.microsoft.com/office/powerpoint/2010/main">
+    <mc:Choice Requires="p14">
+      <p:transition p14:dur="10"/>
+    </mc:Choice>
+    <mc:Fallback xmlns="">
+      <p:transition/>
+    </mc:Fallback>
+  </mc:AlternateContent>
+</p:sld>
+</file>
+
+<file path=ppt/slides/slide4.xml><?xml version="1.0" encoding="utf-8"?>
+<p:sld xmlns:a="http://schemas.openxmlformats.org/drawingml/2006/main" xmlns:r="http://schemas.openxmlformats.org/officeDocument/2006/relationships" xmlns:p="http://schemas.openxmlformats.org/presentationml/2006/main">
+  <p:cSld>
+    <p:spTree>
+      <p:nvGrpSpPr>
+        <p:cNvPr id="1" name=""/>
+        <p:cNvGrpSpPr/>
+        <p:nvPr/>
+      </p:nvGrpSpPr>
+      <p:grpSpPr>
+        <a:xfrm>
+          <a:off x="0" y="0"/>
+          <a:ext cx="0" cy="0"/>
+          <a:chOff x="0" y="0"/>
+          <a:chExt cx="0" cy="0"/>
+        </a:xfrm>
+      </p:grpSpPr>
+      <p:pic>
+        <p:nvPicPr>
+          <p:cNvPr id="4" name="图片 3">
+            <a:extLst>
+              <a:ext uri="{FF2B5EF4-FFF2-40B4-BE49-F238E27FC236}">
+                <a16:creationId xmlns:a16="http://schemas.microsoft.com/office/drawing/2014/main" id="{1A8A16A3-4FA0-4CF6-8EC9-B75101096F68}"/>
+              </a:ext>
+            </a:extLst>
+          </p:cNvPr>
+          <p:cNvPicPr>
+            <a:picLocks noChangeAspect="1"/>
+          </p:cNvPicPr>
+          <p:nvPr/>
+        </p:nvPicPr>
+        <p:blipFill>
+          <a:blip r:embed="rId3">
+            <a:extLst>
+              <a:ext uri="{28A0092B-C50C-407E-A947-70E740481C1C}">
+                <a14:useLocalDpi xmlns:a14="http://schemas.microsoft.com/office/drawing/2010/main" val="0"/>
+              </a:ext>
+            </a:extLst>
+          </a:blip>
+          <a:stretch>
+            <a:fillRect/>
+          </a:stretch>
+        </p:blipFill>
+        <p:spPr>
+          <a:xfrm rot="5400000">
+            <a:off x="2662984" y="-2666999"/>
+            <a:ext cx="6858002" cy="12192000"/>
+          </a:xfrm>
+          <a:prstGeom prst="rect">
+            <a:avLst/>
+          </a:prstGeom>
+        </p:spPr>
+      </p:pic>
+      <p:pic>
+        <p:nvPicPr>
+          <p:cNvPr id="5" name="图片 4">
+            <a:extLst>
+              <a:ext uri="{FF2B5EF4-FFF2-40B4-BE49-F238E27FC236}">
+                <a16:creationId xmlns:a16="http://schemas.microsoft.com/office/drawing/2014/main" id="{3D4B6CF1-6B81-4725-8899-A44DAE64952B}"/>
+              </a:ext>
+            </a:extLst>
+          </p:cNvPr>
+          <p:cNvPicPr>
+            <a:picLocks noChangeAspect="1"/>
+          </p:cNvPicPr>
+          <p:nvPr/>
+        </p:nvPicPr>
+        <p:blipFill>
+          <a:blip r:embed="rId4">
+            <a:extLst>
+              <a:ext uri="{28A0092B-C50C-407E-A947-70E740481C1C}">
+                <a14:useLocalDpi xmlns:a14="http://schemas.microsoft.com/office/drawing/2010/main" val="0"/>
+              </a:ext>
+            </a:extLst>
+          </a:blip>
+          <a:stretch>
+            <a:fillRect/>
+          </a:stretch>
+        </p:blipFill>
+        <p:spPr>
+          <a:xfrm>
+            <a:off x="0" y="-3"/>
+            <a:ext cx="4270748" cy="930641"/>
+          </a:xfrm>
+          <a:prstGeom prst="rect">
+            <a:avLst/>
+          </a:prstGeom>
+        </p:spPr>
+      </p:pic>
+      <p:pic>
+        <p:nvPicPr>
+          <p:cNvPr id="7" name="图片 6">
+            <a:extLst>
+              <a:ext uri="{FF2B5EF4-FFF2-40B4-BE49-F238E27FC236}">
+                <a16:creationId xmlns:a16="http://schemas.microsoft.com/office/drawing/2014/main" id="{75AC18C9-84E2-4290-80FE-6291B8D3D4AE}"/>
+              </a:ext>
+            </a:extLst>
+          </p:cNvPr>
+          <p:cNvPicPr>
+            <a:picLocks noChangeAspect="1"/>
+          </p:cNvPicPr>
+          <p:nvPr/>
+        </p:nvPicPr>
+        <p:blipFill>
+          <a:blip r:embed="rId5" cstate="print">
+            <a:extLst>
+              <a:ext uri="{28A0092B-C50C-407E-A947-70E740481C1C}">
+                <a14:useLocalDpi xmlns:a14="http://schemas.microsoft.com/office/drawing/2010/main" val="0"/>
+              </a:ext>
+            </a:extLst>
+          </a:blip>
+          <a:stretch>
+            <a:fillRect/>
+          </a:stretch>
+        </p:blipFill>
+        <p:spPr>
+          <a:xfrm>
+            <a:off x="7881465" y="5522583"/>
+            <a:ext cx="4306520" cy="1335416"/>
+          </a:xfrm>
+          <a:prstGeom prst="rect">
+            <a:avLst/>
+          </a:prstGeom>
+        </p:spPr>
+      </p:pic>
+      <p:sp>
+        <p:nvSpPr>
+          <p:cNvPr id="11" name="矩形 10">
+            <a:extLst>
+              <a:ext uri="{FF2B5EF4-FFF2-40B4-BE49-F238E27FC236}">
+                <a16:creationId xmlns:a16="http://schemas.microsoft.com/office/drawing/2014/main" id="{3CDF8232-923B-4C6E-995B-3BAF926D4956}"/>
+              </a:ext>
+            </a:extLst>
+          </p:cNvPr>
+          <p:cNvSpPr/>
+          <p:nvPr/>
+        </p:nvSpPr>
+        <p:spPr>
+          <a:xfrm>
+            <a:off x="216568" y="216568"/>
+            <a:ext cx="11754849" cy="6436894"/>
+          </a:xfrm>
+          <a:prstGeom prst="rect">
+            <a:avLst/>
+          </a:prstGeom>
+          <a:noFill/>
+          <a:ln w="38100">
+            <a:solidFill>
+              <a:schemeClr val="tx1">
+                <a:lumMod val="75000"/>
+                <a:lumOff val="25000"/>
+              </a:schemeClr>
+            </a:solidFill>
+          </a:ln>
+        </p:spPr>
+        <p:style>
+          <a:lnRef idx="2">
+            <a:schemeClr val="accent1">
+              <a:shade val="50000"/>
+            </a:schemeClr>
+          </a:lnRef>
+          <a:fillRef idx="1">
+            <a:schemeClr val="accent1"/>
+          </a:fillRef>
+          <a:effectRef idx="0">
+            <a:schemeClr val="accent1"/>
+          </a:effectRef>
+          <a:fontRef idx="minor">
+            <a:schemeClr val="lt1"/>
+          </a:fontRef>
+        </p:style>
+        <p:txBody>
+          <a:bodyPr rtlCol="0" anchor="ctr"/>
+          <a:lstStyle/>
+          <a:p>
+            <a:pPr algn="ctr"/>
+            <a:endParaRPr lang="zh-CN" altLang="en-US">
+              <a:solidFill>
+                <a:schemeClr val="tx1">
+                  <a:lumMod val="75000"/>
+                  <a:lumOff val="25000"/>
+                </a:schemeClr>
+              </a:solidFill>
+            </a:endParaRPr>
+          </a:p>
+        </p:txBody>
+      </p:sp>
+      <p:sp>
+        <p:nvSpPr>
+          <p:cNvPr id="12" name="矩形 11">
+            <a:extLst>
+              <a:ext uri="{FF2B5EF4-FFF2-40B4-BE49-F238E27FC236}">
+                <a16:creationId xmlns:a16="http://schemas.microsoft.com/office/drawing/2014/main" id="{39ABCDCA-8F3C-4CAE-B969-C687D54F7240}"/>
+              </a:ext>
+            </a:extLst>
+          </p:cNvPr>
+          <p:cNvSpPr/>
+          <p:nvPr/>
+        </p:nvSpPr>
+        <p:spPr>
+          <a:xfrm>
+            <a:off x="312824" y="296778"/>
+            <a:ext cx="11562345" cy="6272465"/>
+          </a:xfrm>
+          <a:prstGeom prst="rect">
+            <a:avLst/>
+          </a:prstGeom>
+          <a:noFill/>
+          <a:ln w="12700">
+            <a:solidFill>
+              <a:schemeClr val="tx1">
+                <a:lumMod val="75000"/>
+                <a:lumOff val="25000"/>
+              </a:schemeClr>
+            </a:solidFill>
+          </a:ln>
+        </p:spPr>
+        <p:style>
+          <a:lnRef idx="2">
+            <a:schemeClr val="accent1">
+              <a:shade val="50000"/>
+            </a:schemeClr>
+          </a:lnRef>
+          <a:fillRef idx="1">
+            <a:schemeClr val="accent1"/>
+          </a:fillRef>
+          <a:effectRef idx="0">
+            <a:schemeClr val="accent1"/>
+          </a:effectRef>
+          <a:fontRef idx="minor">
+            <a:schemeClr val="lt1"/>
+          </a:fontRef>
+        </p:style>
+        <p:txBody>
+          <a:bodyPr rtlCol="0" anchor="ctr"/>
+          <a:lstStyle/>
+          <a:p>
+            <a:pPr algn="ctr"/>
+            <a:endParaRPr lang="zh-CN" altLang="en-US">
+              <a:solidFill>
+                <a:schemeClr val="tx1">
+                  <a:lumMod val="75000"/>
+                  <a:lumOff val="25000"/>
+                </a:schemeClr>
+              </a:solidFill>
+            </a:endParaRPr>
+          </a:p>
+        </p:txBody>
+      </p:sp>
+      <p:sp>
+        <p:nvSpPr>
+          <p:cNvPr id="18" name="椭圆 17">
+            <a:extLst>
+              <a:ext uri="{FF2B5EF4-FFF2-40B4-BE49-F238E27FC236}">
+                <a16:creationId xmlns:a16="http://schemas.microsoft.com/office/drawing/2014/main" id="{2C826E15-431C-4226-A5DF-784EE4BDD4A6}"/>
+              </a:ext>
+            </a:extLst>
+          </p:cNvPr>
+          <p:cNvSpPr/>
+          <p:nvPr/>
+        </p:nvSpPr>
+        <p:spPr>
+          <a:xfrm>
+            <a:off x="477671" y="465317"/>
+            <a:ext cx="545531" cy="545531"/>
+          </a:xfrm>
+          <a:prstGeom prst="ellipse">
+            <a:avLst/>
+          </a:prstGeom>
+          <a:solidFill>
+            <a:srgbClr val="F7BFA4"/>
+          </a:solidFill>
+          <a:ln>
+            <a:noFill/>
+          </a:ln>
+        </p:spPr>
+        <p:style>
+          <a:lnRef idx="2">
+            <a:schemeClr val="accent1">
+              <a:shade val="50000"/>
+            </a:schemeClr>
+          </a:lnRef>
+          <a:fillRef idx="1">
+            <a:schemeClr val="accent1"/>
+          </a:fillRef>
+          <a:effectRef idx="0">
+            <a:schemeClr val="accent1"/>
+          </a:effectRef>
+          <a:fontRef idx="minor">
+            <a:schemeClr val="lt1"/>
+          </a:fontRef>
+        </p:style>
+        <p:txBody>
+          <a:bodyPr rtlCol="0" anchor="ctr"/>
+          <a:lstStyle/>
+          <a:p>
+            <a:pPr algn="ctr"/>
+            <a:r>
+              <a:rPr lang="en-US" altLang="zh-CN" dirty="0">
+                <a:solidFill>
+                  <a:schemeClr val="tx1">
+                    <a:lumMod val="75000"/>
+                    <a:lumOff val="25000"/>
+                  </a:schemeClr>
+                </a:solidFill>
+                <a:latin typeface="幼圆" panose="02010509060101010101" pitchFamily="49" charset="-122"/>
+                <a:ea typeface="幼圆" panose="02010509060101010101" pitchFamily="49" charset="-122"/>
+              </a:rPr>
+              <a:t>3</a:t>
+            </a:r>
+            <a:endParaRPr lang="zh-CN" altLang="en-US" dirty="0">
+              <a:solidFill>
+                <a:schemeClr val="tx1">
+                  <a:lumMod val="75000"/>
+                  <a:lumOff val="25000"/>
+                </a:schemeClr>
+              </a:solidFill>
+              <a:latin typeface="幼圆" panose="02010509060101010101" pitchFamily="49" charset="-122"/>
+              <a:ea typeface="幼圆" panose="02010509060101010101" pitchFamily="49" charset="-122"/>
+            </a:endParaRPr>
+          </a:p>
+        </p:txBody>
+      </p:sp>
+      <p:sp>
+        <p:nvSpPr>
+          <p:cNvPr id="2" name="文字方塊 1">
+            <a:extLst>
+              <a:ext uri="{FF2B5EF4-FFF2-40B4-BE49-F238E27FC236}">
+                <a16:creationId xmlns:a16="http://schemas.microsoft.com/office/drawing/2014/main" id="{51160C5B-ADF6-48A3-BDB0-741C404DC990}"/>
+              </a:ext>
+            </a:extLst>
+          </p:cNvPr>
+          <p:cNvSpPr txBox="1"/>
+          <p:nvPr/>
+        </p:nvSpPr>
+        <p:spPr>
+          <a:xfrm>
+            <a:off x="312824" y="2967335"/>
+            <a:ext cx="11562345" cy="461665"/>
+          </a:xfrm>
+          <a:prstGeom prst="rect">
+            <a:avLst/>
+          </a:prstGeom>
+          <a:noFill/>
+        </p:spPr>
+        <p:txBody>
+          <a:bodyPr wrap="square" rtlCol="0">
+            <a:spAutoFit/>
+          </a:bodyPr>
+          <a:lstStyle/>
+          <a:p>
+            <a:pPr algn="ctr"/>
+            <a:r>
+              <a:rPr lang="en-US" altLang="zh-TW" sz="2400" dirty="0">
+                <a:latin typeface="Adobe 黑体 Std R" panose="020B0400000000000000" pitchFamily="34" charset="-128"/>
+                <a:ea typeface="Adobe 黑体 Std R" panose="020B0400000000000000" pitchFamily="34" charset="-128"/>
+              </a:rPr>
+              <a:t>Github</a:t>
+            </a:r>
+            <a:r>
+              <a:rPr lang="zh-TW" altLang="en-US" sz="2400" dirty="0">
+                <a:latin typeface="Adobe 黑体 Std R" panose="020B0400000000000000" pitchFamily="34" charset="-128"/>
+                <a:ea typeface="Adobe 黑体 Std R" panose="020B0400000000000000" pitchFamily="34" charset="-128"/>
+              </a:rPr>
+              <a:t>連結：</a:t>
+            </a:r>
+            <a:r>
+              <a:rPr lang="en-US" altLang="zh-TW" sz="2400" dirty="0">
+                <a:latin typeface="Adobe 黑体 Std R" panose="020B0400000000000000" pitchFamily="34" charset="-128"/>
+                <a:ea typeface="Adobe 黑体 Std R" panose="020B0400000000000000" pitchFamily="34" charset="-128"/>
+              </a:rPr>
+              <a:t>https://github.com/7107029002/Cathay-United-Bank</a:t>
+            </a:r>
+            <a:endParaRPr lang="zh-TW" altLang="en-US" sz="2400" dirty="0">
+              <a:latin typeface="Adobe 黑体 Std R" panose="020B0400000000000000" pitchFamily="34" charset="-128"/>
+              <a:ea typeface="Adobe 黑体 Std R" panose="020B0400000000000000" pitchFamily="34" charset="-128"/>
+            </a:endParaRPr>
+          </a:p>
+        </p:txBody>
+      </p:sp>
+    </p:spTree>
+    <p:extLst>
+      <p:ext uri="{BB962C8B-B14F-4D97-AF65-F5344CB8AC3E}">
+        <p14:creationId xmlns:p14="http://schemas.microsoft.com/office/powerpoint/2010/main" val="3796568827"/>
       </p:ext>
     </p:extLst>
   </p:cSld>
